--- a/Notebooks/English/03 - Comparisons and stements/07-Assignments.pptx
+++ b/Notebooks/English/03 - Comparisons and stements/07-Assignments.pptx
@@ -3278,15 +3278,6 @@
             <a:pPr lvl="0" indent="0">
               <a:buNone/>
             </a:pPr>
-            <a:r>
-              <a:rPr i="1">
-                <a:solidFill>
-                  <a:srgbClr val="60A0B0"/>
-                </a:solidFill>
-                <a:latin typeface="Courier"/>
-              </a:rPr>
-              <a:t>#Code here</a:t>
-            </a:r>
           </a:p>
         </p:txBody>
       </p:sp>
@@ -3339,15 +3330,6 @@
             <a:pPr lvl="0" indent="0">
               <a:buNone/>
             </a:pPr>
-            <a:r>
-              <a:rPr i="1">
-                <a:solidFill>
-                  <a:srgbClr val="60A0B0"/>
-                </a:solidFill>
-                <a:latin typeface="Courier"/>
-              </a:rPr>
-              <a:t>#Code Here</a:t>
-            </a:r>
           </a:p>
         </p:txBody>
       </p:sp>
@@ -3401,16 +3383,6 @@
               <a:buNone/>
             </a:pPr>
             <a:r>
-              <a:rPr i="1">
-                <a:solidFill>
-                  <a:srgbClr val="60A0B0"/>
-                </a:solidFill>
-                <a:latin typeface="Courier"/>
-              </a:rPr>
-              <a:t>#Code in this cell</a:t>
-            </a:r>
-            <a:br/>
-            <a:r>
               <a:rPr>
                 <a:latin typeface="Courier"/>
               </a:rPr>
@@ -3503,15 +3475,6 @@
             <a:pPr lvl="0" indent="0">
               <a:buNone/>
             </a:pPr>
-            <a:r>
-              <a:rPr i="1">
-                <a:solidFill>
-                  <a:srgbClr val="60A0B0"/>
-                </a:solidFill>
-                <a:latin typeface="Courier"/>
-              </a:rPr>
-              <a:t>#Code in this cell</a:t>
-            </a:r>
           </a:p>
         </p:txBody>
       </p:sp>
@@ -3564,15 +3527,6 @@
             <a:pPr lvl="0" indent="0">
               <a:buNone/>
             </a:pPr>
-            <a:r>
-              <a:rPr i="1">
-                <a:solidFill>
-                  <a:srgbClr val="60A0B0"/>
-                </a:solidFill>
-                <a:latin typeface="Courier"/>
-              </a:rPr>
-              <a:t>#Code in this cell</a:t>
-            </a:r>
           </a:p>
         </p:txBody>
       </p:sp>
@@ -3660,15 +3614,6 @@
             <a:pPr lvl="0" indent="0">
               <a:buNone/>
             </a:pPr>
-            <a:r>
-              <a:rPr i="1">
-                <a:solidFill>
-                  <a:srgbClr val="60A0B0"/>
-                </a:solidFill>
-                <a:latin typeface="Courier"/>
-              </a:rPr>
-              <a:t>#Code in this cell</a:t>
-            </a:r>
           </a:p>
           <a:p>
             <a:pPr lvl="0" indent="0" marL="0">
